--- a/Präsentation/Zwischenpräsi.pptx
+++ b/Präsentation/Zwischenpräsi.pptx
@@ -4056,31 +4056,36 @@
           </a:p>
         </p:txBody>
       </p:sp>
-      <p:sp>
-        <p:nvSpPr>
-          <p:cNvPr id="3" name="Inhaltsplatzhalter 2">
-            <a:extLst>
-              <a:ext uri="{FF2B5EF4-FFF2-40B4-BE49-F238E27FC236}">
-                <a16:creationId xmlns:a16="http://schemas.microsoft.com/office/drawing/2014/main" id="{8D69D450-54E9-4198-8DCA-1BF0F90E5850}"/>
-              </a:ext>
-            </a:extLst>
-          </p:cNvPr>
-          <p:cNvSpPr>
-            <a:spLocks noGrp="1"/>
-          </p:cNvSpPr>
-          <p:nvPr>
-            <p:ph idx="1"/>
-          </p:nvPr>
-        </p:nvSpPr>
-        <p:spPr/>
-        <p:txBody>
-          <a:bodyPr/>
-          <a:lstStyle/>
-          <a:p>
-            <a:endParaRPr lang="de-CH" dirty="0"/>
-          </a:p>
-        </p:txBody>
-      </p:sp>
+      <p:pic>
+        <p:nvPicPr>
+          <p:cNvPr id="7" name="Grafik 6">
+            <a:extLst>
+              <a:ext uri="{FF2B5EF4-FFF2-40B4-BE49-F238E27FC236}">
+                <a16:creationId xmlns:a16="http://schemas.microsoft.com/office/drawing/2014/main" id="{8611A541-9212-41E5-B08A-6269550B94B3}"/>
+              </a:ext>
+            </a:extLst>
+          </p:cNvPr>
+          <p:cNvPicPr>
+            <a:picLocks noChangeAspect="1"/>
+          </p:cNvPicPr>
+          <p:nvPr/>
+        </p:nvPicPr>
+        <p:blipFill>
+          <a:blip r:embed="rId2"/>
+          <a:stretch>
+            <a:fillRect/>
+          </a:stretch>
+        </p:blipFill>
+        <p:spPr>
+          <a:xfrm>
+            <a:off x="0" y="1650304"/>
+            <a:ext cx="12192000" cy="3557392"/>
+          </a:xfrm>
+          <a:prstGeom prst="rect">
+            <a:avLst/>
+          </a:prstGeom>
+        </p:spPr>
+      </p:pic>
     </p:spTree>
     <p:extLst>
       <p:ext uri="{BB962C8B-B14F-4D97-AF65-F5344CB8AC3E}">

--- a/Präsentation/Zwischenpräsi.pptx
+++ b/Präsentation/Zwischenpräsi.pptx
@@ -3904,10 +3904,41 @@
             <p:ph idx="1"/>
           </p:nvPr>
         </p:nvSpPr>
-        <p:spPr/>
-        <p:txBody>
-          <a:bodyPr/>
-          <a:lstStyle/>
+        <p:spPr>
+          <a:xfrm>
+            <a:off x="838200" y="1804025"/>
+            <a:ext cx="10515600" cy="4351338"/>
+          </a:xfrm>
+        </p:spPr>
+        <p:txBody>
+          <a:bodyPr/>
+          <a:lstStyle/>
+          <a:p>
+            <a:r>
+              <a:rPr lang="de-DE" dirty="0"/>
+              <a:t>Kommunikation mit Sprach-Assistent</a:t>
+            </a:r>
+          </a:p>
+          <a:p>
+            <a:r>
+              <a:rPr lang="de-DE" dirty="0"/>
+              <a:t>Implementierung </a:t>
+            </a:r>
+            <a:r>
+              <a:rPr lang="de-DE" dirty="0" err="1"/>
+              <a:t>Reset</a:t>
+            </a:r>
+            <a:r>
+              <a:rPr lang="de-DE" dirty="0"/>
+              <a:t> Funktion -&gt; Authentifizierung zurücksetzen</a:t>
+            </a:r>
+          </a:p>
+          <a:p>
+            <a:endParaRPr lang="de-DE" dirty="0"/>
+          </a:p>
+          <a:p>
+            <a:endParaRPr lang="de-DE" dirty="0"/>
+          </a:p>
           <a:p>
             <a:endParaRPr lang="de-CH" dirty="0"/>
           </a:p>

--- a/Präsentation/Zwischenpräsi.pptx
+++ b/Präsentation/Zwischenpräsi.pptx
@@ -12,7 +12,11 @@
     <p:sldId id="257" r:id="rId6"/>
     <p:sldId id="259" r:id="rId7"/>
     <p:sldId id="262" r:id="rId8"/>
-    <p:sldId id="260" r:id="rId9"/>
+    <p:sldId id="264" r:id="rId9"/>
+    <p:sldId id="267" r:id="rId10"/>
+    <p:sldId id="266" r:id="rId11"/>
+    <p:sldId id="265" r:id="rId12"/>
+    <p:sldId id="260" r:id="rId13"/>
   </p:sldIdLst>
   <p:sldSz cx="12192000" cy="6858000"/>
   <p:notesSz cx="6858000" cy="9144000"/>
@@ -268,7 +272,7 @@
           <a:p>
             <a:fld id="{92B03F25-9BEC-411C-B31D-9BE04432F73B}" type="datetimeFigureOut">
               <a:rPr lang="de-CH" smtClean="0"/>
-              <a:t>11.06.2020</a:t>
+              <a:t>12.06.2020</a:t>
             </a:fld>
             <a:endParaRPr lang="de-CH"/>
           </a:p>
@@ -468,7 +472,7 @@
           <a:p>
             <a:fld id="{92B03F25-9BEC-411C-B31D-9BE04432F73B}" type="datetimeFigureOut">
               <a:rPr lang="de-CH" smtClean="0"/>
-              <a:t>11.06.2020</a:t>
+              <a:t>12.06.2020</a:t>
             </a:fld>
             <a:endParaRPr lang="de-CH"/>
           </a:p>
@@ -678,7 +682,7 @@
           <a:p>
             <a:fld id="{92B03F25-9BEC-411C-B31D-9BE04432F73B}" type="datetimeFigureOut">
               <a:rPr lang="de-CH" smtClean="0"/>
-              <a:t>11.06.2020</a:t>
+              <a:t>12.06.2020</a:t>
             </a:fld>
             <a:endParaRPr lang="de-CH"/>
           </a:p>
@@ -878,7 +882,7 @@
           <a:p>
             <a:fld id="{92B03F25-9BEC-411C-B31D-9BE04432F73B}" type="datetimeFigureOut">
               <a:rPr lang="de-CH" smtClean="0"/>
-              <a:t>11.06.2020</a:t>
+              <a:t>12.06.2020</a:t>
             </a:fld>
             <a:endParaRPr lang="de-CH"/>
           </a:p>
@@ -1154,7 +1158,7 @@
           <a:p>
             <a:fld id="{92B03F25-9BEC-411C-B31D-9BE04432F73B}" type="datetimeFigureOut">
               <a:rPr lang="de-CH" smtClean="0"/>
-              <a:t>11.06.2020</a:t>
+              <a:t>12.06.2020</a:t>
             </a:fld>
             <a:endParaRPr lang="de-CH"/>
           </a:p>
@@ -1422,7 +1426,7 @@
           <a:p>
             <a:fld id="{92B03F25-9BEC-411C-B31D-9BE04432F73B}" type="datetimeFigureOut">
               <a:rPr lang="de-CH" smtClean="0"/>
-              <a:t>11.06.2020</a:t>
+              <a:t>12.06.2020</a:t>
             </a:fld>
             <a:endParaRPr lang="de-CH"/>
           </a:p>
@@ -1837,7 +1841,7 @@
           <a:p>
             <a:fld id="{92B03F25-9BEC-411C-B31D-9BE04432F73B}" type="datetimeFigureOut">
               <a:rPr lang="de-CH" smtClean="0"/>
-              <a:t>11.06.2020</a:t>
+              <a:t>12.06.2020</a:t>
             </a:fld>
             <a:endParaRPr lang="de-CH"/>
           </a:p>
@@ -1979,7 +1983,7 @@
           <a:p>
             <a:fld id="{92B03F25-9BEC-411C-B31D-9BE04432F73B}" type="datetimeFigureOut">
               <a:rPr lang="de-CH" smtClean="0"/>
-              <a:t>11.06.2020</a:t>
+              <a:t>12.06.2020</a:t>
             </a:fld>
             <a:endParaRPr lang="de-CH"/>
           </a:p>
@@ -2092,7 +2096,7 @@
           <a:p>
             <a:fld id="{92B03F25-9BEC-411C-B31D-9BE04432F73B}" type="datetimeFigureOut">
               <a:rPr lang="de-CH" smtClean="0"/>
-              <a:t>11.06.2020</a:t>
+              <a:t>12.06.2020</a:t>
             </a:fld>
             <a:endParaRPr lang="de-CH"/>
           </a:p>
@@ -2405,7 +2409,7 @@
           <a:p>
             <a:fld id="{92B03F25-9BEC-411C-B31D-9BE04432F73B}" type="datetimeFigureOut">
               <a:rPr lang="de-CH" smtClean="0"/>
-              <a:t>11.06.2020</a:t>
+              <a:t>12.06.2020</a:t>
             </a:fld>
             <a:endParaRPr lang="de-CH"/>
           </a:p>
@@ -2694,7 +2698,7 @@
           <a:p>
             <a:fld id="{92B03F25-9BEC-411C-B31D-9BE04432F73B}" type="datetimeFigureOut">
               <a:rPr lang="de-CH" smtClean="0"/>
-              <a:t>11.06.2020</a:t>
+              <a:t>12.06.2020</a:t>
             </a:fld>
             <a:endParaRPr lang="de-CH"/>
           </a:p>
@@ -2954,7 +2958,7 @@
           <a:p>
             <a:fld id="{92B03F25-9BEC-411C-B31D-9BE04432F73B}" type="datetimeFigureOut">
               <a:rPr lang="de-CH" smtClean="0"/>
-              <a:t>11.06.2020</a:t>
+              <a:t>12.06.2020</a:t>
             </a:fld>
             <a:endParaRPr lang="de-CH"/>
           </a:p>
@@ -3442,6 +3446,353 @@
 </p:sld>
 </file>
 
+<file path=ppt/slides/slide10.xml><?xml version="1.0" encoding="utf-8"?>
+<p:sld xmlns:a="http://schemas.openxmlformats.org/drawingml/2006/main" xmlns:r="http://schemas.openxmlformats.org/officeDocument/2006/relationships" xmlns:p="http://schemas.openxmlformats.org/presentationml/2006/main">
+  <p:cSld>
+    <p:spTree>
+      <p:nvGrpSpPr>
+        <p:cNvPr id="1" name=""/>
+        <p:cNvGrpSpPr/>
+        <p:nvPr/>
+      </p:nvGrpSpPr>
+      <p:grpSpPr>
+        <a:xfrm>
+          <a:off x="0" y="0"/>
+          <a:ext cx="0" cy="0"/>
+          <a:chOff x="0" y="0"/>
+          <a:chExt cx="0" cy="0"/>
+        </a:xfrm>
+      </p:grpSpPr>
+      <p:sp>
+        <p:nvSpPr>
+          <p:cNvPr id="2" name="Titel 1">
+            <a:extLst>
+              <a:ext uri="{FF2B5EF4-FFF2-40B4-BE49-F238E27FC236}">
+                <a16:creationId xmlns:a16="http://schemas.microsoft.com/office/drawing/2014/main" id="{740756F1-2CC8-4D2A-8339-9D6AD770F2BD}"/>
+              </a:ext>
+            </a:extLst>
+          </p:cNvPr>
+          <p:cNvSpPr>
+            <a:spLocks noGrp="1"/>
+          </p:cNvSpPr>
+          <p:nvPr>
+            <p:ph type="title"/>
+          </p:nvPr>
+        </p:nvSpPr>
+        <p:spPr/>
+        <p:txBody>
+          <a:bodyPr/>
+          <a:lstStyle/>
+          <a:p>
+            <a:r>
+              <a:rPr lang="de-CH" dirty="0"/>
+              <a:t>Hardware nächste schritte bis 29.06.2020</a:t>
+            </a:r>
+          </a:p>
+        </p:txBody>
+      </p:sp>
+      <p:sp>
+        <p:nvSpPr>
+          <p:cNvPr id="3" name="Inhaltsplatzhalter 2">
+            <a:extLst>
+              <a:ext uri="{FF2B5EF4-FFF2-40B4-BE49-F238E27FC236}">
+                <a16:creationId xmlns:a16="http://schemas.microsoft.com/office/drawing/2014/main" id="{987104AD-68C3-4A7A-A6EF-FEDF473080FF}"/>
+              </a:ext>
+            </a:extLst>
+          </p:cNvPr>
+          <p:cNvSpPr>
+            <a:spLocks noGrp="1"/>
+          </p:cNvSpPr>
+          <p:nvPr>
+            <p:ph idx="1"/>
+          </p:nvPr>
+        </p:nvSpPr>
+        <p:spPr/>
+        <p:txBody>
+          <a:bodyPr/>
+          <a:lstStyle/>
+          <a:p>
+            <a:r>
+              <a:rPr lang="de-CH" dirty="0"/>
+              <a:t>HW </a:t>
+            </a:r>
+            <a:r>
+              <a:rPr lang="de-CH" dirty="0" err="1"/>
+              <a:t>Emv</a:t>
+            </a:r>
+            <a:r>
+              <a:rPr lang="de-CH" dirty="0"/>
+              <a:t> Anordnung Bauteile</a:t>
+            </a:r>
+          </a:p>
+          <a:p>
+            <a:endParaRPr lang="de-CH" dirty="0"/>
+          </a:p>
+          <a:p>
+            <a:endParaRPr lang="de-CH" dirty="0"/>
+          </a:p>
+        </p:txBody>
+      </p:sp>
+      <p:pic>
+        <p:nvPicPr>
+          <p:cNvPr id="4" name="Grafik 3">
+            <a:extLst>
+              <a:ext uri="{FF2B5EF4-FFF2-40B4-BE49-F238E27FC236}">
+                <a16:creationId xmlns:a16="http://schemas.microsoft.com/office/drawing/2014/main" id="{3BF14E66-0DA1-46DF-9E9B-7F433CCC6C4E}"/>
+              </a:ext>
+            </a:extLst>
+          </p:cNvPr>
+          <p:cNvPicPr>
+            <a:picLocks noChangeAspect="1"/>
+          </p:cNvPicPr>
+          <p:nvPr/>
+        </p:nvPicPr>
+        <p:blipFill>
+          <a:blip r:embed="rId2"/>
+          <a:stretch>
+            <a:fillRect/>
+          </a:stretch>
+        </p:blipFill>
+        <p:spPr>
+          <a:xfrm>
+            <a:off x="1069368" y="2378160"/>
+            <a:ext cx="4377276" cy="3235378"/>
+          </a:xfrm>
+          <a:prstGeom prst="rect">
+            <a:avLst/>
+          </a:prstGeom>
+        </p:spPr>
+      </p:pic>
+      <p:pic>
+        <p:nvPicPr>
+          <p:cNvPr id="5" name="Grafik 4">
+            <a:extLst>
+              <a:ext uri="{FF2B5EF4-FFF2-40B4-BE49-F238E27FC236}">
+                <a16:creationId xmlns:a16="http://schemas.microsoft.com/office/drawing/2014/main" id="{03E690B7-6508-409D-9FF1-6C85D5E641AC}"/>
+              </a:ext>
+            </a:extLst>
+          </p:cNvPr>
+          <p:cNvPicPr>
+            <a:picLocks noChangeAspect="1"/>
+          </p:cNvPicPr>
+          <p:nvPr/>
+        </p:nvPicPr>
+        <p:blipFill>
+          <a:blip r:embed="rId3"/>
+          <a:stretch>
+            <a:fillRect/>
+          </a:stretch>
+        </p:blipFill>
+        <p:spPr>
+          <a:xfrm>
+            <a:off x="5677812" y="3037397"/>
+            <a:ext cx="5952621" cy="2043659"/>
+          </a:xfrm>
+          <a:prstGeom prst="rect">
+            <a:avLst/>
+          </a:prstGeom>
+        </p:spPr>
+      </p:pic>
+    </p:spTree>
+    <p:extLst>
+      <p:ext uri="{BB962C8B-B14F-4D97-AF65-F5344CB8AC3E}">
+        <p14:creationId xmlns:p14="http://schemas.microsoft.com/office/powerpoint/2010/main" val="4245344354"/>
+      </p:ext>
+    </p:extLst>
+  </p:cSld>
+  <p:clrMapOvr>
+    <a:masterClrMapping/>
+  </p:clrMapOvr>
+</p:sld>
+</file>
+
+<file path=ppt/slides/slide11.xml><?xml version="1.0" encoding="utf-8"?>
+<p:sld xmlns:a="http://schemas.openxmlformats.org/drawingml/2006/main" xmlns:r="http://schemas.openxmlformats.org/officeDocument/2006/relationships" xmlns:p="http://schemas.openxmlformats.org/presentationml/2006/main">
+  <p:cSld>
+    <p:spTree>
+      <p:nvGrpSpPr>
+        <p:cNvPr id="1" name=""/>
+        <p:cNvGrpSpPr/>
+        <p:nvPr/>
+      </p:nvGrpSpPr>
+      <p:grpSpPr>
+        <a:xfrm>
+          <a:off x="0" y="0"/>
+          <a:ext cx="0" cy="0"/>
+          <a:chOff x="0" y="0"/>
+          <a:chExt cx="0" cy="0"/>
+        </a:xfrm>
+      </p:grpSpPr>
+      <p:sp>
+        <p:nvSpPr>
+          <p:cNvPr id="2" name="Titel 1">
+            <a:extLst>
+              <a:ext uri="{FF2B5EF4-FFF2-40B4-BE49-F238E27FC236}">
+                <a16:creationId xmlns:a16="http://schemas.microsoft.com/office/drawing/2014/main" id="{BA7088E6-6011-4B24-B2F9-9543036C128C}"/>
+              </a:ext>
+            </a:extLst>
+          </p:cNvPr>
+          <p:cNvSpPr>
+            <a:spLocks noGrp="1"/>
+          </p:cNvSpPr>
+          <p:nvPr>
+            <p:ph type="title"/>
+          </p:nvPr>
+        </p:nvSpPr>
+        <p:spPr/>
+        <p:txBody>
+          <a:bodyPr/>
+          <a:lstStyle/>
+          <a:p>
+            <a:r>
+              <a:rPr lang="de-CH" dirty="0"/>
+              <a:t>Hardware nächste schritte bis 06.07.2020</a:t>
+            </a:r>
+          </a:p>
+        </p:txBody>
+      </p:sp>
+      <p:sp>
+        <p:nvSpPr>
+          <p:cNvPr id="3" name="Inhaltsplatzhalter 2">
+            <a:extLst>
+              <a:ext uri="{FF2B5EF4-FFF2-40B4-BE49-F238E27FC236}">
+                <a16:creationId xmlns:a16="http://schemas.microsoft.com/office/drawing/2014/main" id="{1DB8745A-F120-421E-BDB0-08E65C7CEC79}"/>
+              </a:ext>
+            </a:extLst>
+          </p:cNvPr>
+          <p:cNvSpPr>
+            <a:spLocks noGrp="1"/>
+          </p:cNvSpPr>
+          <p:nvPr>
+            <p:ph idx="1"/>
+          </p:nvPr>
+        </p:nvSpPr>
+        <p:spPr/>
+        <p:txBody>
+          <a:bodyPr/>
+          <a:lstStyle/>
+          <a:p>
+            <a:r>
+              <a:rPr lang="de-CH" dirty="0"/>
+              <a:t>Prints bestellen</a:t>
+            </a:r>
+          </a:p>
+          <a:p>
+            <a:r>
+              <a:rPr lang="de-CH" dirty="0"/>
+              <a:t>Bauteile bestellen bzw. später als Prints</a:t>
+            </a:r>
+          </a:p>
+          <a:p>
+            <a:endParaRPr lang="de-CH" dirty="0"/>
+          </a:p>
+          <a:p>
+            <a:endParaRPr lang="de-CH" dirty="0"/>
+          </a:p>
+        </p:txBody>
+      </p:sp>
+    </p:spTree>
+    <p:extLst>
+      <p:ext uri="{BB962C8B-B14F-4D97-AF65-F5344CB8AC3E}">
+        <p14:creationId xmlns:p14="http://schemas.microsoft.com/office/powerpoint/2010/main" val="1364793950"/>
+      </p:ext>
+    </p:extLst>
+  </p:cSld>
+  <p:clrMapOvr>
+    <a:masterClrMapping/>
+  </p:clrMapOvr>
+</p:sld>
+</file>
+
+<file path=ppt/slides/slide12.xml><?xml version="1.0" encoding="utf-8"?>
+<p:sld xmlns:a="http://schemas.openxmlformats.org/drawingml/2006/main" xmlns:r="http://schemas.openxmlformats.org/officeDocument/2006/relationships" xmlns:p="http://schemas.openxmlformats.org/presentationml/2006/main">
+  <p:cSld>
+    <p:spTree>
+      <p:nvGrpSpPr>
+        <p:cNvPr id="1" name=""/>
+        <p:cNvGrpSpPr/>
+        <p:nvPr/>
+      </p:nvGrpSpPr>
+      <p:grpSpPr>
+        <a:xfrm>
+          <a:off x="0" y="0"/>
+          <a:ext cx="0" cy="0"/>
+          <a:chOff x="0" y="0"/>
+          <a:chExt cx="0" cy="0"/>
+        </a:xfrm>
+      </p:grpSpPr>
+      <p:sp>
+        <p:nvSpPr>
+          <p:cNvPr id="2" name="Titel 1">
+            <a:extLst>
+              <a:ext uri="{FF2B5EF4-FFF2-40B4-BE49-F238E27FC236}">
+                <a16:creationId xmlns:a16="http://schemas.microsoft.com/office/drawing/2014/main" id="{D63BC480-1B2C-4A17-9D15-7101C4022143}"/>
+              </a:ext>
+            </a:extLst>
+          </p:cNvPr>
+          <p:cNvSpPr>
+            <a:spLocks noGrp="1"/>
+          </p:cNvSpPr>
+          <p:nvPr>
+            <p:ph type="title"/>
+          </p:nvPr>
+        </p:nvSpPr>
+        <p:spPr/>
+        <p:txBody>
+          <a:bodyPr/>
+          <a:lstStyle/>
+          <a:p>
+            <a:r>
+              <a:rPr lang="de-DE" dirty="0"/>
+              <a:t>Neuer Zeitplan</a:t>
+            </a:r>
+            <a:endParaRPr lang="de-CH" dirty="0"/>
+          </a:p>
+        </p:txBody>
+      </p:sp>
+      <p:pic>
+        <p:nvPicPr>
+          <p:cNvPr id="7" name="Grafik 6">
+            <a:extLst>
+              <a:ext uri="{FF2B5EF4-FFF2-40B4-BE49-F238E27FC236}">
+                <a16:creationId xmlns:a16="http://schemas.microsoft.com/office/drawing/2014/main" id="{8611A541-9212-41E5-B08A-6269550B94B3}"/>
+              </a:ext>
+            </a:extLst>
+          </p:cNvPr>
+          <p:cNvPicPr>
+            <a:picLocks noChangeAspect="1"/>
+          </p:cNvPicPr>
+          <p:nvPr/>
+        </p:nvPicPr>
+        <p:blipFill>
+          <a:blip r:embed="rId2"/>
+          <a:stretch>
+            <a:fillRect/>
+          </a:stretch>
+        </p:blipFill>
+        <p:spPr>
+          <a:xfrm>
+            <a:off x="0" y="1650304"/>
+            <a:ext cx="12192000" cy="3557392"/>
+          </a:xfrm>
+          <a:prstGeom prst="rect">
+            <a:avLst/>
+          </a:prstGeom>
+        </p:spPr>
+      </p:pic>
+    </p:spTree>
+    <p:extLst>
+      <p:ext uri="{BB962C8B-B14F-4D97-AF65-F5344CB8AC3E}">
+        <p14:creationId xmlns:p14="http://schemas.microsoft.com/office/powerpoint/2010/main" val="3288019785"/>
+      </p:ext>
+    </p:extLst>
+  </p:cSld>
+  <p:clrMapOvr>
+    <a:masterClrMapping/>
+  </p:clrMapOvr>
+</p:sld>
+</file>
+
 <file path=ppt/slides/slide2.xml><?xml version="1.0" encoding="utf-8"?>
 <p:sld xmlns:a="http://schemas.openxmlformats.org/drawingml/2006/main" xmlns:r="http://schemas.openxmlformats.org/officeDocument/2006/relationships" xmlns:p="http://schemas.openxmlformats.org/presentationml/2006/main">
   <p:cSld>
@@ -4024,6 +4375,48 @@
           <a:bodyPr/>
           <a:lstStyle/>
           <a:p>
+            <a:r>
+              <a:rPr lang="de-CH" dirty="0"/>
+              <a:t>Programmiermodus beim Sensorbaustein</a:t>
+            </a:r>
+          </a:p>
+          <a:p>
+            <a:r>
+              <a:rPr lang="de-CH" dirty="0"/>
+              <a:t>USB-</a:t>
+            </a:r>
+            <a:r>
+              <a:rPr lang="de-CH" dirty="0" err="1"/>
+              <a:t>Uart</a:t>
+            </a:r>
+            <a:r>
+              <a:rPr lang="de-CH" dirty="0"/>
+              <a:t> </a:t>
+            </a:r>
+            <a:r>
+              <a:rPr lang="de-CH" dirty="0" err="1"/>
+              <a:t>Schnittschtelle</a:t>
+            </a:r>
+            <a:r>
+              <a:rPr lang="de-CH" dirty="0"/>
+              <a:t> nicht </a:t>
+            </a:r>
+            <a:r>
+              <a:rPr lang="de-CH" dirty="0" err="1"/>
+              <a:t>lötbar</a:t>
+            </a:r>
+            <a:r>
+              <a:rPr lang="de-CH" dirty="0"/>
+              <a:t> ersetzen mit Alternative</a:t>
+            </a:r>
+          </a:p>
+          <a:p>
+            <a:endParaRPr lang="de-CH" dirty="0"/>
+          </a:p>
+          <a:p>
+            <a:endParaRPr lang="de-CH" dirty="0"/>
+          </a:p>
+          <a:p>
             <a:endParaRPr lang="de-CH" dirty="0"/>
           </a:p>
         </p:txBody>
@@ -4063,7 +4456,7 @@
           <p:cNvPr id="2" name="Titel 1">
             <a:extLst>
               <a:ext uri="{FF2B5EF4-FFF2-40B4-BE49-F238E27FC236}">
-                <a16:creationId xmlns:a16="http://schemas.microsoft.com/office/drawing/2014/main" id="{D63BC480-1B2C-4A17-9D15-7101C4022143}"/>
+                <a16:creationId xmlns:a16="http://schemas.microsoft.com/office/drawing/2014/main" id="{445D61A1-18DC-4C0F-8743-4A4E3955DD87}"/>
               </a:ext>
             </a:extLst>
           </p:cNvPr>
@@ -4080,47 +4473,192 @@
           <a:lstStyle/>
           <a:p>
             <a:r>
-              <a:rPr lang="de-DE" dirty="0"/>
-              <a:t>Neuer Zeitplan</a:t>
-            </a:r>
+              <a:rPr lang="de-CH" dirty="0"/>
+              <a:t>Hardware nächste schritte bis 29.06.2020</a:t>
+            </a:r>
+          </a:p>
+        </p:txBody>
+      </p:sp>
+      <p:sp>
+        <p:nvSpPr>
+          <p:cNvPr id="3" name="Inhaltsplatzhalter 2">
+            <a:extLst>
+              <a:ext uri="{FF2B5EF4-FFF2-40B4-BE49-F238E27FC236}">
+                <a16:creationId xmlns:a16="http://schemas.microsoft.com/office/drawing/2014/main" id="{8A824F9D-7F33-4839-B26D-11946F8656B6}"/>
+              </a:ext>
+            </a:extLst>
+          </p:cNvPr>
+          <p:cNvSpPr>
+            <a:spLocks noGrp="1"/>
+          </p:cNvSpPr>
+          <p:nvPr>
+            <p:ph idx="1"/>
+          </p:nvPr>
+        </p:nvSpPr>
+        <p:spPr/>
+        <p:txBody>
+          <a:bodyPr>
+            <a:normAutofit/>
+          </a:bodyPr>
+          <a:lstStyle/>
+          <a:p>
+            <a:r>
+              <a:rPr lang="de-CH" dirty="0"/>
+              <a:t>Implementierung PWM Relais</a:t>
+            </a:r>
+          </a:p>
+          <a:p>
             <a:endParaRPr lang="de-CH" dirty="0"/>
           </a:p>
         </p:txBody>
       </p:sp>
-      <p:pic>
-        <p:nvPicPr>
-          <p:cNvPr id="7" name="Grafik 6">
-            <a:extLst>
-              <a:ext uri="{FF2B5EF4-FFF2-40B4-BE49-F238E27FC236}">
-                <a16:creationId xmlns:a16="http://schemas.microsoft.com/office/drawing/2014/main" id="{8611A541-9212-41E5-B08A-6269550B94B3}"/>
-              </a:ext>
-            </a:extLst>
-          </p:cNvPr>
-          <p:cNvPicPr>
-            <a:picLocks noChangeAspect="1"/>
-          </p:cNvPicPr>
-          <p:nvPr/>
-        </p:nvPicPr>
-        <p:blipFill>
-          <a:blip r:embed="rId2"/>
-          <a:stretch>
-            <a:fillRect/>
-          </a:stretch>
-        </p:blipFill>
-        <p:spPr>
-          <a:xfrm>
-            <a:off x="0" y="1650304"/>
-            <a:ext cx="12192000" cy="3557392"/>
-          </a:xfrm>
-          <a:prstGeom prst="rect">
-            <a:avLst/>
-          </a:prstGeom>
-        </p:spPr>
-      </p:pic>
     </p:spTree>
     <p:extLst>
       <p:ext uri="{BB962C8B-B14F-4D97-AF65-F5344CB8AC3E}">
-        <p14:creationId xmlns:p14="http://schemas.microsoft.com/office/powerpoint/2010/main" val="3288019785"/>
+        <p14:creationId xmlns:p14="http://schemas.microsoft.com/office/powerpoint/2010/main" val="923481406"/>
+      </p:ext>
+    </p:extLst>
+  </p:cSld>
+  <p:clrMapOvr>
+    <a:masterClrMapping/>
+  </p:clrMapOvr>
+</p:sld>
+</file>
+
+<file path=ppt/slides/slide9.xml><?xml version="1.0" encoding="utf-8"?>
+<p:sld xmlns:a="http://schemas.openxmlformats.org/drawingml/2006/main" xmlns:r="http://schemas.openxmlformats.org/officeDocument/2006/relationships" xmlns:p="http://schemas.openxmlformats.org/presentationml/2006/main">
+  <p:cSld>
+    <p:spTree>
+      <p:nvGrpSpPr>
+        <p:cNvPr id="1" name=""/>
+        <p:cNvGrpSpPr/>
+        <p:nvPr/>
+      </p:nvGrpSpPr>
+      <p:grpSpPr>
+        <a:xfrm>
+          <a:off x="0" y="0"/>
+          <a:ext cx="0" cy="0"/>
+          <a:chOff x="0" y="0"/>
+          <a:chExt cx="0" cy="0"/>
+        </a:xfrm>
+      </p:grpSpPr>
+      <p:sp>
+        <p:nvSpPr>
+          <p:cNvPr id="2" name="Titel 1">
+            <a:extLst>
+              <a:ext uri="{FF2B5EF4-FFF2-40B4-BE49-F238E27FC236}">
+                <a16:creationId xmlns:a16="http://schemas.microsoft.com/office/drawing/2014/main" id="{944D73C2-92BB-4AC8-A091-8CF5069163A1}"/>
+              </a:ext>
+            </a:extLst>
+          </p:cNvPr>
+          <p:cNvSpPr>
+            <a:spLocks noGrp="1"/>
+          </p:cNvSpPr>
+          <p:nvPr>
+            <p:ph type="title"/>
+          </p:nvPr>
+        </p:nvSpPr>
+        <p:spPr/>
+        <p:txBody>
+          <a:bodyPr/>
+          <a:lstStyle/>
+          <a:p>
+            <a:r>
+              <a:rPr lang="de-CH" dirty="0"/>
+              <a:t>Hardware nächste schritte bis 29.06.2020</a:t>
+            </a:r>
+          </a:p>
+        </p:txBody>
+      </p:sp>
+      <p:sp>
+        <p:nvSpPr>
+          <p:cNvPr id="3" name="Inhaltsplatzhalter 2">
+            <a:extLst>
+              <a:ext uri="{FF2B5EF4-FFF2-40B4-BE49-F238E27FC236}">
+                <a16:creationId xmlns:a16="http://schemas.microsoft.com/office/drawing/2014/main" id="{B3156780-0CC7-4CD7-8684-EF46ECF59C75}"/>
+              </a:ext>
+            </a:extLst>
+          </p:cNvPr>
+          <p:cNvSpPr>
+            <a:spLocks noGrp="1"/>
+          </p:cNvSpPr>
+          <p:nvPr>
+            <p:ph idx="1"/>
+          </p:nvPr>
+        </p:nvSpPr>
+        <p:spPr/>
+        <p:txBody>
+          <a:bodyPr/>
+          <a:lstStyle/>
+          <a:p>
+            <a:r>
+              <a:rPr lang="de-CH" dirty="0"/>
+              <a:t>10 V Ein und Ausgänge PWM</a:t>
+            </a:r>
+          </a:p>
+          <a:p>
+            <a:r>
+              <a:rPr lang="de-CH" dirty="0"/>
+              <a:t>Schalter Mode ersetzen</a:t>
+            </a:r>
+          </a:p>
+          <a:p>
+            <a:r>
+              <a:rPr lang="de-CH" dirty="0"/>
+              <a:t>USB-</a:t>
+            </a:r>
+            <a:r>
+              <a:rPr lang="de-CH" dirty="0" err="1"/>
+              <a:t>Uart</a:t>
+            </a:r>
+            <a:r>
+              <a:rPr lang="de-CH" dirty="0"/>
+              <a:t> </a:t>
+            </a:r>
+            <a:r>
+              <a:rPr lang="de-CH" dirty="0" err="1"/>
+              <a:t>Schnittschtelle</a:t>
+            </a:r>
+            <a:r>
+              <a:rPr lang="de-CH" dirty="0"/>
+              <a:t> ersetzen</a:t>
+            </a:r>
+          </a:p>
+          <a:p>
+            <a:r>
+              <a:rPr lang="de-CH" dirty="0"/>
+              <a:t>Andere </a:t>
+            </a:r>
+            <a:r>
+              <a:rPr lang="de-CH" dirty="0" err="1"/>
+              <a:t>implementierung</a:t>
+            </a:r>
+            <a:r>
+              <a:rPr lang="de-CH" dirty="0"/>
+              <a:t> Temperatursensor</a:t>
+            </a:r>
+          </a:p>
+          <a:p>
+            <a:r>
+              <a:rPr lang="de-CH" dirty="0"/>
+              <a:t>Schutzdiode Frontplatte ESD einbauen</a:t>
+            </a:r>
+          </a:p>
+          <a:p>
+            <a:r>
+              <a:rPr lang="de-CH" dirty="0"/>
+              <a:t>Print 230 V zu 5 V erstellen</a:t>
+            </a:r>
+          </a:p>
+          <a:p>
+            <a:endParaRPr lang="de-CH" dirty="0"/>
+          </a:p>
+        </p:txBody>
+      </p:sp>
+    </p:spTree>
+    <p:extLst>
+      <p:ext uri="{BB962C8B-B14F-4D97-AF65-F5344CB8AC3E}">
+        <p14:creationId xmlns:p14="http://schemas.microsoft.com/office/powerpoint/2010/main" val="2587104072"/>
       </p:ext>
     </p:extLst>
   </p:cSld>
